--- a/project_e_slides.pptx
+++ b/project_e_slides.pptx
@@ -8,6 +8,8 @@
     <p:sldId id="256" r:id="rId2"/>
     <p:sldId id="257" r:id="rId3"/>
     <p:sldId id="258" r:id="rId4"/>
+    <p:sldId id="260" r:id="rId5"/>
+    <p:sldId id="261" r:id="rId6"/>
   </p:sldIdLst>
   <p:sldSz cx="12192000" cy="6858000"/>
   <p:notesSz cx="6858000" cy="9144000"/>
@@ -106,6 +108,11 @@
       </a:defRPr>
     </a:lvl9pPr>
   </p:defaultTextStyle>
+  <p:extLst>
+    <p:ext uri="{EFAFB233-063F-42B5-8137-9DF3F51BA10A}">
+      <p15:sldGuideLst xmlns:p15="http://schemas.microsoft.com/office/powerpoint/2012/main"/>
+    </p:ext>
+  </p:extLst>
 </p:presentation>
 </file>
 
@@ -256,7 +263,7 @@
           <a:p>
             <a:fld id="{3E8CC0B1-0F71-4690-916F-323112511160}" type="datetimeFigureOut">
               <a:rPr lang="en-US" smtClean="0"/>
-              <a:t>9/25/2023</a:t>
+              <a:t>9/25/23</a:t>
             </a:fld>
             <a:endParaRPr lang="en-US"/>
           </a:p>
@@ -454,7 +461,7 @@
           <a:p>
             <a:fld id="{3E8CC0B1-0F71-4690-916F-323112511160}" type="datetimeFigureOut">
               <a:rPr lang="en-US" smtClean="0"/>
-              <a:t>9/25/2023</a:t>
+              <a:t>9/25/23</a:t>
             </a:fld>
             <a:endParaRPr lang="en-US"/>
           </a:p>
@@ -662,7 +669,7 @@
           <a:p>
             <a:fld id="{3E8CC0B1-0F71-4690-916F-323112511160}" type="datetimeFigureOut">
               <a:rPr lang="en-US" smtClean="0"/>
-              <a:t>9/25/2023</a:t>
+              <a:t>9/25/23</a:t>
             </a:fld>
             <a:endParaRPr lang="en-US"/>
           </a:p>
@@ -860,7 +867,7 @@
           <a:p>
             <a:fld id="{3E8CC0B1-0F71-4690-916F-323112511160}" type="datetimeFigureOut">
               <a:rPr lang="en-US" smtClean="0"/>
-              <a:t>9/25/2023</a:t>
+              <a:t>9/25/23</a:t>
             </a:fld>
             <a:endParaRPr lang="en-US"/>
           </a:p>
@@ -1135,7 +1142,7 @@
           <a:p>
             <a:fld id="{3E8CC0B1-0F71-4690-916F-323112511160}" type="datetimeFigureOut">
               <a:rPr lang="en-US" smtClean="0"/>
-              <a:t>9/25/2023</a:t>
+              <a:t>9/25/23</a:t>
             </a:fld>
             <a:endParaRPr lang="en-US"/>
           </a:p>
@@ -1400,7 +1407,7 @@
           <a:p>
             <a:fld id="{3E8CC0B1-0F71-4690-916F-323112511160}" type="datetimeFigureOut">
               <a:rPr lang="en-US" smtClean="0"/>
-              <a:t>9/25/2023</a:t>
+              <a:t>9/25/23</a:t>
             </a:fld>
             <a:endParaRPr lang="en-US"/>
           </a:p>
@@ -1812,7 +1819,7 @@
           <a:p>
             <a:fld id="{3E8CC0B1-0F71-4690-916F-323112511160}" type="datetimeFigureOut">
               <a:rPr lang="en-US" smtClean="0"/>
-              <a:t>9/25/2023</a:t>
+              <a:t>9/25/23</a:t>
             </a:fld>
             <a:endParaRPr lang="en-US"/>
           </a:p>
@@ -1953,7 +1960,7 @@
           <a:p>
             <a:fld id="{3E8CC0B1-0F71-4690-916F-323112511160}" type="datetimeFigureOut">
               <a:rPr lang="en-US" smtClean="0"/>
-              <a:t>9/25/2023</a:t>
+              <a:t>9/25/23</a:t>
             </a:fld>
             <a:endParaRPr lang="en-US"/>
           </a:p>
@@ -2066,7 +2073,7 @@
           <a:p>
             <a:fld id="{3E8CC0B1-0F71-4690-916F-323112511160}" type="datetimeFigureOut">
               <a:rPr lang="en-US" smtClean="0"/>
-              <a:t>9/25/2023</a:t>
+              <a:t>9/25/23</a:t>
             </a:fld>
             <a:endParaRPr lang="en-US"/>
           </a:p>
@@ -2377,7 +2384,7 @@
           <a:p>
             <a:fld id="{3E8CC0B1-0F71-4690-916F-323112511160}" type="datetimeFigureOut">
               <a:rPr lang="en-US" smtClean="0"/>
-              <a:t>9/25/2023</a:t>
+              <a:t>9/25/23</a:t>
             </a:fld>
             <a:endParaRPr lang="en-US"/>
           </a:p>
@@ -2665,7 +2672,7 @@
           <a:p>
             <a:fld id="{3E8CC0B1-0F71-4690-916F-323112511160}" type="datetimeFigureOut">
               <a:rPr lang="en-US" smtClean="0"/>
-              <a:t>9/25/2023</a:t>
+              <a:t>9/25/23</a:t>
             </a:fld>
             <a:endParaRPr lang="en-US"/>
           </a:p>
@@ -2906,7 +2913,7 @@
           <a:p>
             <a:fld id="{3E8CC0B1-0F71-4690-916F-323112511160}" type="datetimeFigureOut">
               <a:rPr lang="en-US" smtClean="0"/>
-              <a:t>9/25/2023</a:t>
+              <a:t>9/25/23</a:t>
             </a:fld>
             <a:endParaRPr lang="en-US"/>
           </a:p>
@@ -4082,6 +4089,824 @@
 </p:sld>
 </file>
 
+<file path=ppt/slides/slide4.xml><?xml version="1.0" encoding="utf-8"?>
+<p:sld xmlns:a="http://schemas.openxmlformats.org/drawingml/2006/main" xmlns:r="http://schemas.openxmlformats.org/officeDocument/2006/relationships" xmlns:p="http://schemas.openxmlformats.org/presentationml/2006/main">
+  <p:cSld>
+    <p:spTree>
+      <p:nvGrpSpPr>
+        <p:cNvPr id="1" name=""/>
+        <p:cNvGrpSpPr/>
+        <p:nvPr/>
+      </p:nvGrpSpPr>
+      <p:grpSpPr>
+        <a:xfrm>
+          <a:off x="0" y="0"/>
+          <a:ext cx="0" cy="0"/>
+          <a:chOff x="0" y="0"/>
+          <a:chExt cx="0" cy="0"/>
+        </a:xfrm>
+      </p:grpSpPr>
+      <p:sp>
+        <p:nvSpPr>
+          <p:cNvPr id="2" name="TextBox 1">
+            <a:extLst>
+              <a:ext uri="{FF2B5EF4-FFF2-40B4-BE49-F238E27FC236}">
+                <a16:creationId xmlns:a16="http://schemas.microsoft.com/office/drawing/2014/main" id="{5A765FF1-DE94-4A7E-6611-F8741781C5BA}"/>
+              </a:ext>
+            </a:extLst>
+          </p:cNvPr>
+          <p:cNvSpPr txBox="1"/>
+          <p:nvPr/>
+        </p:nvSpPr>
+        <p:spPr>
+          <a:xfrm>
+            <a:off x="957430" y="537881"/>
+            <a:ext cx="3980330" cy="461665"/>
+          </a:xfrm>
+          <a:prstGeom prst="rect">
+            <a:avLst/>
+          </a:prstGeom>
+          <a:noFill/>
+        </p:spPr>
+        <p:txBody>
+          <a:bodyPr wrap="square" rtlCol="0">
+            <a:spAutoFit/>
+          </a:bodyPr>
+          <a:lstStyle/>
+          <a:p>
+            <a:r>
+              <a:rPr lang="en-US" sz="2400" b="1" dirty="0"/>
+              <a:t>The Great Recession</a:t>
+            </a:r>
+          </a:p>
+        </p:txBody>
+      </p:sp>
+      <p:sp>
+        <p:nvSpPr>
+          <p:cNvPr id="7" name="TextBox 6">
+            <a:extLst>
+              <a:ext uri="{FF2B5EF4-FFF2-40B4-BE49-F238E27FC236}">
+                <a16:creationId xmlns:a16="http://schemas.microsoft.com/office/drawing/2014/main" id="{AD6D04D0-4555-4C34-5BF4-FBD98735A693}"/>
+              </a:ext>
+            </a:extLst>
+          </p:cNvPr>
+          <p:cNvSpPr txBox="1"/>
+          <p:nvPr/>
+        </p:nvSpPr>
+        <p:spPr>
+          <a:xfrm>
+            <a:off x="957430" y="1282849"/>
+            <a:ext cx="10574768" cy="2585323"/>
+          </a:xfrm>
+          <a:prstGeom prst="rect">
+            <a:avLst/>
+          </a:prstGeom>
+          <a:noFill/>
+        </p:spPr>
+        <p:txBody>
+          <a:bodyPr wrap="square" rtlCol="0">
+            <a:spAutoFit/>
+          </a:bodyPr>
+          <a:lstStyle/>
+          <a:p>
+            <a:r>
+              <a:rPr lang="en-US" b="0" i="0" dirty="0">
+                <a:solidFill>
+                  <a:srgbClr val="1D1C1D"/>
+                </a:solidFill>
+                <a:effectLst/>
+                <a:latin typeface="Slack-Lato"/>
+              </a:rPr>
+              <a:t>What is The Great Recession</a:t>
+            </a:r>
+          </a:p>
+          <a:p>
+            <a:r>
+              <a:rPr lang="en-US" b="0" i="0" dirty="0">
+                <a:solidFill>
+                  <a:srgbClr val="1D1C1D"/>
+                </a:solidFill>
+                <a:effectLst/>
+                <a:latin typeface="Slack-Lato"/>
+              </a:rPr>
+              <a:t>The Great Recession was a period of marked general decline observed in national economies globally, i.e. a recession, that occurred from late 2007 to 2009. The scale and timing of the recession varied from country to country (see map). At the time, the International Monetary Fund (IMF) concluded that it was the most severe economic and financial meltdown since the Great Depression. One result was a serious disruption of normal international relations. So</a:t>
+            </a:r>
+            <a:r>
+              <a:rPr lang="en-US" dirty="0">
+                <a:solidFill>
+                  <a:srgbClr val="1D1C1D"/>
+                </a:solidFill>
+                <a:latin typeface="Slack-Lato"/>
+              </a:rPr>
+              <a:t>urce(</a:t>
+            </a:r>
+            <a:r>
+              <a:rPr lang="en-US" b="0" i="0" u="none" strike="noStrike" dirty="0">
+                <a:effectLst/>
+                <a:latin typeface="Slack-Lato"/>
+                <a:hlinkClick r:id="rId2"/>
+              </a:rPr>
+              <a:t>Wikipedia</a:t>
+            </a:r>
+            <a:r>
+              <a:rPr lang="en-US" b="0" i="0" u="none" strike="noStrike" dirty="0">
+                <a:effectLst/>
+                <a:latin typeface="Slack-Lato"/>
+              </a:rPr>
+              <a:t>)</a:t>
+            </a:r>
+            <a:br>
+              <a:rPr lang="en-US" dirty="0"/>
+            </a:br>
+            <a:r>
+              <a:rPr lang="en-US" b="1" i="0" dirty="0">
+                <a:solidFill>
+                  <a:srgbClr val="1D1C1D"/>
+                </a:solidFill>
+                <a:effectLst/>
+                <a:latin typeface="Slack-Lato"/>
+              </a:rPr>
+              <a:t>Start date: </a:t>
+            </a:r>
+            <a:r>
+              <a:rPr lang="en-US" b="0" i="0" dirty="0">
+                <a:solidFill>
+                  <a:srgbClr val="1D1C1D"/>
+                </a:solidFill>
+                <a:effectLst/>
+                <a:latin typeface="Slack-Lato"/>
+              </a:rPr>
+              <a:t>December 2007</a:t>
+            </a:r>
+            <a:br>
+              <a:rPr lang="en-US" dirty="0"/>
+            </a:br>
+            <a:r>
+              <a:rPr lang="en-US" b="1" i="0" dirty="0">
+                <a:solidFill>
+                  <a:srgbClr val="1D1C1D"/>
+                </a:solidFill>
+                <a:effectLst/>
+                <a:latin typeface="Slack-Lato"/>
+              </a:rPr>
+              <a:t>End date: </a:t>
+            </a:r>
+            <a:r>
+              <a:rPr lang="en-US" b="0" i="0" dirty="0">
+                <a:solidFill>
+                  <a:srgbClr val="1D1C1D"/>
+                </a:solidFill>
+                <a:effectLst/>
+                <a:latin typeface="Slack-Lato"/>
+              </a:rPr>
+              <a:t>June 2009</a:t>
+            </a:r>
+            <a:br>
+              <a:rPr lang="en-US" dirty="0"/>
+            </a:br>
+            <a:r>
+              <a:rPr lang="en-US" b="1" i="0" dirty="0">
+                <a:solidFill>
+                  <a:srgbClr val="1D1C1D"/>
+                </a:solidFill>
+                <a:effectLst/>
+                <a:latin typeface="Slack-Lato"/>
+              </a:rPr>
+              <a:t>Cause: </a:t>
+            </a:r>
+            <a:r>
+              <a:rPr lang="en-US" b="0" i="0" dirty="0">
+                <a:solidFill>
+                  <a:srgbClr val="1D1C1D"/>
+                </a:solidFill>
+                <a:effectLst/>
+                <a:latin typeface="Slack-Lato"/>
+              </a:rPr>
+              <a:t>(disputed): Real-estate bubbles bursting; </a:t>
+            </a:r>
+            <a:r>
+              <a:rPr lang="en-US" b="0" i="0" u="none" strike="noStrike" dirty="0">
+                <a:effectLst/>
+                <a:latin typeface="Slack-Lato"/>
+                <a:hlinkClick r:id="rId3"/>
+              </a:rPr>
+              <a:t>US</a:t>
+            </a:r>
+            <a:r>
+              <a:rPr lang="en-US" b="0" i="0" dirty="0">
+                <a:solidFill>
+                  <a:srgbClr val="1D1C1D"/>
+                </a:solidFill>
+                <a:effectLst/>
+                <a:latin typeface="Slack-Lato"/>
+              </a:rPr>
+              <a:t> housing policy; Limited </a:t>
+            </a:r>
+            <a:r>
+              <a:rPr lang="en-US" b="0" i="0" u="none" strike="noStrike" dirty="0">
+                <a:effectLst/>
+                <a:latin typeface="Slack-Lato"/>
+                <a:hlinkClick r:id="rId4"/>
+              </a:rPr>
+              <a:t>financial regulation</a:t>
+            </a:r>
+            <a:endParaRPr lang="en-US" dirty="0"/>
+          </a:p>
+        </p:txBody>
+      </p:sp>
+      <p:sp>
+        <p:nvSpPr>
+          <p:cNvPr id="9" name="TextBox 8">
+            <a:extLst>
+              <a:ext uri="{FF2B5EF4-FFF2-40B4-BE49-F238E27FC236}">
+                <a16:creationId xmlns:a16="http://schemas.microsoft.com/office/drawing/2014/main" id="{DEE0B4EA-EC10-3F49-4F26-23AD595F9D59}"/>
+              </a:ext>
+            </a:extLst>
+          </p:cNvPr>
+          <p:cNvSpPr txBox="1"/>
+          <p:nvPr/>
+        </p:nvSpPr>
+        <p:spPr>
+          <a:xfrm>
+            <a:off x="957430" y="3965713"/>
+            <a:ext cx="10074537" cy="2031325"/>
+          </a:xfrm>
+          <a:prstGeom prst="rect">
+            <a:avLst/>
+          </a:prstGeom>
+          <a:noFill/>
+        </p:spPr>
+        <p:txBody>
+          <a:bodyPr wrap="square" rtlCol="0">
+            <a:spAutoFit/>
+          </a:bodyPr>
+          <a:lstStyle/>
+          <a:p>
+            <a:pPr marL="285750" indent="-285750">
+              <a:buFont typeface="Arial" panose="020B0604020202020204" pitchFamily="34" charset="0"/>
+              <a:buChar char="•"/>
+            </a:pPr>
+            <a:r>
+              <a:rPr lang="en-US" dirty="0"/>
+              <a:t>During the Great Recession, 165 banks failed across 34 states, affecting 45.8 million people.</a:t>
+            </a:r>
+          </a:p>
+          <a:p>
+            <a:pPr marL="285750" indent="-285750">
+              <a:buFont typeface="Arial" panose="020B0604020202020204" pitchFamily="34" charset="0"/>
+              <a:buChar char="•"/>
+            </a:pPr>
+            <a:r>
+              <a:rPr lang="en-US" dirty="0"/>
+              <a:t>The average owner-occupied rate (homeownership rate) was 55.6% in the affected population.</a:t>
+            </a:r>
+          </a:p>
+          <a:p>
+            <a:pPr marL="285750" indent="-285750">
+              <a:buFont typeface="Arial" panose="020B0604020202020204" pitchFamily="34" charset="0"/>
+              <a:buChar char="•"/>
+            </a:pPr>
+            <a:r>
+              <a:rPr lang="en-US" dirty="0"/>
+              <a:t>The average bachelor or higher rate was 19.8% in the affected population. </a:t>
+            </a:r>
+          </a:p>
+          <a:p>
+            <a:pPr marL="285750" indent="-285750">
+              <a:buFont typeface="Arial" panose="020B0604020202020204" pitchFamily="34" charset="0"/>
+              <a:buChar char="•"/>
+            </a:pPr>
+            <a:r>
+              <a:rPr lang="en-US" dirty="0"/>
+              <a:t>The </a:t>
+            </a:r>
+            <a:r>
+              <a:rPr lang="en-US" b="0" i="0" dirty="0">
+                <a:solidFill>
+                  <a:srgbClr val="1D1C1D"/>
+                </a:solidFill>
+                <a:effectLst/>
+                <a:latin typeface="Slack-Lato"/>
+              </a:rPr>
+              <a:t>Great Recession </a:t>
+            </a:r>
+            <a:r>
+              <a:rPr lang="en-US" dirty="0"/>
+              <a:t>was caused by a collapse in the US housing market. The rate of homeownership was higher in the Great Recession than the dotcom or COVID recession because banks generally had made qualifying for mortgage loans much easier leading up to the Great Recession.</a:t>
+            </a:r>
+          </a:p>
+          <a:p>
+            <a:pPr marL="285750" indent="-285750">
+              <a:buFont typeface="Arial" panose="020B0604020202020204" pitchFamily="34" charset="0"/>
+              <a:buChar char="•"/>
+            </a:pPr>
+            <a:r>
+              <a:rPr lang="en-US" dirty="0"/>
+              <a:t>There were some bank bailouts and Federal programs to support US Banks during the Great Recession.</a:t>
+            </a:r>
+          </a:p>
+        </p:txBody>
+      </p:sp>
+    </p:spTree>
+    <p:extLst>
+      <p:ext uri="{BB962C8B-B14F-4D97-AF65-F5344CB8AC3E}">
+        <p14:creationId xmlns:p14="http://schemas.microsoft.com/office/powerpoint/2010/main" val="570015273"/>
+      </p:ext>
+    </p:extLst>
+  </p:cSld>
+  <p:clrMapOvr>
+    <a:masterClrMapping/>
+  </p:clrMapOvr>
+</p:sld>
+</file>
+
+<file path=ppt/slides/slide5.xml><?xml version="1.0" encoding="utf-8"?>
+<p:sld xmlns:a="http://schemas.openxmlformats.org/drawingml/2006/main" xmlns:r="http://schemas.openxmlformats.org/officeDocument/2006/relationships" xmlns:p="http://schemas.openxmlformats.org/presentationml/2006/main">
+  <p:cSld>
+    <p:spTree>
+      <p:nvGrpSpPr>
+        <p:cNvPr id="1" name=""/>
+        <p:cNvGrpSpPr/>
+        <p:nvPr/>
+      </p:nvGrpSpPr>
+      <p:grpSpPr>
+        <a:xfrm>
+          <a:off x="0" y="0"/>
+          <a:ext cx="0" cy="0"/>
+          <a:chOff x="0" y="0"/>
+          <a:chExt cx="0" cy="0"/>
+        </a:xfrm>
+      </p:grpSpPr>
+      <p:sp>
+        <p:nvSpPr>
+          <p:cNvPr id="2" name="TextBox 1">
+            <a:extLst>
+              <a:ext uri="{FF2B5EF4-FFF2-40B4-BE49-F238E27FC236}">
+                <a16:creationId xmlns:a16="http://schemas.microsoft.com/office/drawing/2014/main" id="{5A765FF1-DE94-4A7E-6611-F8741781C5BA}"/>
+              </a:ext>
+            </a:extLst>
+          </p:cNvPr>
+          <p:cNvSpPr txBox="1"/>
+          <p:nvPr/>
+        </p:nvSpPr>
+        <p:spPr>
+          <a:xfrm>
+            <a:off x="957430" y="537881"/>
+            <a:ext cx="3980330" cy="461665"/>
+          </a:xfrm>
+          <a:prstGeom prst="rect">
+            <a:avLst/>
+          </a:prstGeom>
+          <a:noFill/>
+        </p:spPr>
+        <p:txBody>
+          <a:bodyPr wrap="square" rtlCol="0">
+            <a:spAutoFit/>
+          </a:bodyPr>
+          <a:lstStyle/>
+          <a:p>
+            <a:r>
+              <a:rPr lang="en-US" sz="2400" b="1" dirty="0"/>
+              <a:t>The COVID Recession</a:t>
+            </a:r>
+          </a:p>
+        </p:txBody>
+      </p:sp>
+      <p:sp>
+        <p:nvSpPr>
+          <p:cNvPr id="7" name="TextBox 6">
+            <a:extLst>
+              <a:ext uri="{FF2B5EF4-FFF2-40B4-BE49-F238E27FC236}">
+                <a16:creationId xmlns:a16="http://schemas.microsoft.com/office/drawing/2014/main" id="{AD6D04D0-4555-4C34-5BF4-FBD98735A693}"/>
+              </a:ext>
+            </a:extLst>
+          </p:cNvPr>
+          <p:cNvSpPr txBox="1"/>
+          <p:nvPr/>
+        </p:nvSpPr>
+        <p:spPr>
+          <a:xfrm>
+            <a:off x="957430" y="1282849"/>
+            <a:ext cx="10574768" cy="2031325"/>
+          </a:xfrm>
+          <a:prstGeom prst="rect">
+            <a:avLst/>
+          </a:prstGeom>
+          <a:noFill/>
+        </p:spPr>
+        <p:txBody>
+          <a:bodyPr wrap="square" rtlCol="0">
+            <a:spAutoFit/>
+          </a:bodyPr>
+          <a:lstStyle/>
+          <a:p>
+            <a:r>
+              <a:rPr lang="en-US" b="0" i="0" dirty="0">
+                <a:solidFill>
+                  <a:srgbClr val="1D1C1D"/>
+                </a:solidFill>
+                <a:effectLst/>
+                <a:latin typeface="Slack-Lato"/>
+              </a:rPr>
+              <a:t>What is The COVID Recession</a:t>
+            </a:r>
+          </a:p>
+          <a:p>
+            <a:r>
+              <a:rPr lang="en-US" b="0" i="0" dirty="0">
+                <a:solidFill>
+                  <a:srgbClr val="1D1C1D"/>
+                </a:solidFill>
+                <a:effectLst/>
+                <a:latin typeface="Slack-Lato"/>
+              </a:rPr>
+              <a:t>The COVID-19 recession, also known as the Great Lockdown, was a global economic recession caused by the COVID-19 pandemic. The recession began in most countries in February 2020. Source(</a:t>
+            </a:r>
+            <a:r>
+              <a:rPr lang="en-US" b="0" i="0" u="none" strike="noStrike" dirty="0">
+                <a:effectLst/>
+                <a:latin typeface="Slack-Lato"/>
+                <a:hlinkClick r:id="rId2"/>
+              </a:rPr>
+              <a:t>Wikipedia</a:t>
+            </a:r>
+            <a:r>
+              <a:rPr lang="en-US" b="0" i="0" u="none" strike="noStrike" dirty="0">
+                <a:effectLst/>
+                <a:latin typeface="Slack-Lato"/>
+              </a:rPr>
+              <a:t>)</a:t>
+            </a:r>
+            <a:br>
+              <a:rPr lang="en-US" dirty="0"/>
+            </a:br>
+            <a:r>
+              <a:rPr lang="en-US" b="1" i="0" u="none" strike="noStrike" dirty="0">
+                <a:solidFill>
+                  <a:srgbClr val="1D1C1D"/>
+                </a:solidFill>
+                <a:effectLst/>
+                <a:latin typeface="Slack-Lato"/>
+                <a:hlinkClick r:id="rId3"/>
+              </a:rPr>
+              <a:t>Start date</a:t>
+            </a:r>
+            <a:r>
+              <a:rPr lang="en-US" b="1" i="0" dirty="0">
+                <a:solidFill>
+                  <a:srgbClr val="1D1C1D"/>
+                </a:solidFill>
+                <a:effectLst/>
+                <a:latin typeface="Slack-Lato"/>
+              </a:rPr>
+              <a:t>: </a:t>
+            </a:r>
+            <a:r>
+              <a:rPr lang="en-US" b="0" i="0" dirty="0">
+                <a:solidFill>
+                  <a:srgbClr val="1D1C1D"/>
+                </a:solidFill>
+                <a:effectLst/>
+                <a:latin typeface="Slack-Lato"/>
+              </a:rPr>
+              <a:t>February 20, 2020</a:t>
+            </a:r>
+            <a:br>
+              <a:rPr lang="en-US" dirty="0"/>
+            </a:br>
+            <a:r>
+              <a:rPr lang="en-US" b="1" i="0" u="none" strike="noStrike" dirty="0">
+                <a:solidFill>
+                  <a:srgbClr val="1D1C1D"/>
+                </a:solidFill>
+                <a:effectLst/>
+                <a:latin typeface="Slack-Lato"/>
+                <a:hlinkClick r:id="rId4"/>
+              </a:rPr>
+              <a:t>Location</a:t>
+            </a:r>
+            <a:r>
+              <a:rPr lang="en-US" b="1" i="0" dirty="0">
+                <a:solidFill>
+                  <a:srgbClr val="1D1C1D"/>
+                </a:solidFill>
+                <a:effectLst/>
+                <a:latin typeface="Slack-Lato"/>
+              </a:rPr>
+              <a:t>: </a:t>
+            </a:r>
+            <a:r>
+              <a:rPr lang="en-US" b="0" i="0" u="none" strike="noStrike" dirty="0">
+                <a:effectLst/>
+                <a:latin typeface="Slack-Lato"/>
+                <a:hlinkClick r:id="rId5"/>
+              </a:rPr>
+              <a:t>Europe</a:t>
+            </a:r>
+            <a:r>
+              <a:rPr lang="en-US" b="0" i="0" dirty="0">
+                <a:solidFill>
+                  <a:srgbClr val="1D1C1D"/>
+                </a:solidFill>
+                <a:effectLst/>
+                <a:latin typeface="Slack-Lato"/>
+              </a:rPr>
+              <a:t>, </a:t>
+            </a:r>
+            <a:r>
+              <a:rPr lang="en-US" b="0" i="0" u="none" strike="noStrike" dirty="0">
+                <a:effectLst/>
+                <a:latin typeface="Slack-Lato"/>
+                <a:hlinkClick r:id="rId6"/>
+              </a:rPr>
+              <a:t>Africa</a:t>
+            </a:r>
+            <a:r>
+              <a:rPr lang="en-US" b="0" i="0" dirty="0">
+                <a:solidFill>
+                  <a:srgbClr val="1D1C1D"/>
+                </a:solidFill>
+                <a:effectLst/>
+                <a:latin typeface="Slack-Lato"/>
+              </a:rPr>
+              <a:t>, </a:t>
+            </a:r>
+            <a:r>
+              <a:rPr lang="en-US" b="0" i="0" u="none" strike="noStrike" dirty="0">
+                <a:effectLst/>
+                <a:latin typeface="Slack-Lato"/>
+                <a:hlinkClick r:id="rId7"/>
+              </a:rPr>
+              <a:t>Asia</a:t>
+            </a:r>
+            <a:r>
+              <a:rPr lang="en-US" b="0" i="0" dirty="0">
+                <a:solidFill>
+                  <a:srgbClr val="1D1C1D"/>
+                </a:solidFill>
+                <a:effectLst/>
+                <a:latin typeface="Slack-Lato"/>
+              </a:rPr>
+              <a:t>, </a:t>
+            </a:r>
+            <a:r>
+              <a:rPr lang="en-US" b="0" i="0" u="none" strike="noStrike" dirty="0">
+                <a:effectLst/>
+                <a:latin typeface="Slack-Lato"/>
+                <a:hlinkClick r:id="rId8"/>
+              </a:rPr>
+              <a:t>South America</a:t>
+            </a:r>
+            <a:r>
+              <a:rPr lang="en-US" b="0" i="0" dirty="0">
+                <a:solidFill>
+                  <a:srgbClr val="1D1C1D"/>
+                </a:solidFill>
+                <a:effectLst/>
+                <a:latin typeface="Slack-Lato"/>
+              </a:rPr>
+              <a:t>, </a:t>
+            </a:r>
+            <a:r>
+              <a:rPr lang="en-US" b="0" i="0" u="none" strike="noStrike" dirty="0">
+                <a:effectLst/>
+                <a:latin typeface="Slack-Lato"/>
+                <a:hlinkClick r:id="rId9"/>
+              </a:rPr>
+              <a:t>North America</a:t>
+            </a:r>
+            <a:r>
+              <a:rPr lang="en-US" b="0" i="0" dirty="0">
+                <a:solidFill>
+                  <a:srgbClr val="1D1C1D"/>
+                </a:solidFill>
+                <a:effectLst/>
+                <a:latin typeface="Slack-Lato"/>
+              </a:rPr>
+              <a:t>, </a:t>
+            </a:r>
+            <a:r>
+              <a:rPr lang="en-US" b="0" i="0" u="none" strike="noStrike" dirty="0">
+                <a:effectLst/>
+                <a:latin typeface="Slack-Lato"/>
+                <a:hlinkClick r:id="rId10"/>
+              </a:rPr>
+              <a:t>Oceania</a:t>
+            </a:r>
+            <a:r>
+              <a:rPr lang="en-US" b="0" i="0" dirty="0">
+                <a:solidFill>
+                  <a:srgbClr val="1D1C1D"/>
+                </a:solidFill>
+                <a:effectLst/>
+                <a:latin typeface="Slack-Lato"/>
+              </a:rPr>
+              <a:t>, </a:t>
+            </a:r>
+            <a:r>
+              <a:rPr lang="en-US" b="0" i="0" u="none" strike="noStrike" dirty="0">
+                <a:effectLst/>
+                <a:latin typeface="Slack-Lato"/>
+                <a:hlinkClick r:id="rId11"/>
+              </a:rPr>
+              <a:t>Antarctica</a:t>
+            </a:r>
+            <a:br>
+              <a:rPr lang="en-US" dirty="0"/>
+            </a:br>
+            <a:r>
+              <a:rPr lang="en-US" b="1" i="0" u="none" strike="noStrike" dirty="0">
+                <a:solidFill>
+                  <a:srgbClr val="1D1C1D"/>
+                </a:solidFill>
+                <a:effectLst/>
+                <a:latin typeface="Slack-Lato"/>
+                <a:hlinkClick r:id="rId12"/>
+              </a:rPr>
+              <a:t>Cause</a:t>
+            </a:r>
+            <a:r>
+              <a:rPr lang="en-US" b="1" i="0" dirty="0">
+                <a:solidFill>
+                  <a:srgbClr val="1D1C1D"/>
+                </a:solidFill>
+                <a:effectLst/>
+                <a:latin typeface="Slack-Lato"/>
+              </a:rPr>
+              <a:t>: </a:t>
+            </a:r>
+            <a:r>
+              <a:rPr lang="en-US" b="0" i="0" u="none" strike="noStrike" dirty="0">
+                <a:effectLst/>
+                <a:latin typeface="Slack-Lato"/>
+                <a:hlinkClick r:id="rId13"/>
+              </a:rPr>
+              <a:t>COVID-19 pandemic</a:t>
+            </a:r>
+            <a:br>
+              <a:rPr lang="en-US" dirty="0"/>
+            </a:br>
+            <a:r>
+              <a:rPr lang="en-US" b="1" i="0" u="none" strike="noStrike" dirty="0">
+                <a:solidFill>
+                  <a:srgbClr val="1D1C1D"/>
+                </a:solidFill>
+                <a:effectLst/>
+                <a:latin typeface="Slack-Lato"/>
+                <a:hlinkClick r:id="rId14"/>
+              </a:rPr>
+              <a:t>Date</a:t>
+            </a:r>
+            <a:r>
+              <a:rPr lang="en-US" b="1" i="0" dirty="0">
+                <a:solidFill>
+                  <a:srgbClr val="1D1C1D"/>
+                </a:solidFill>
+                <a:effectLst/>
+                <a:latin typeface="Slack-Lato"/>
+              </a:rPr>
+              <a:t>: </a:t>
+            </a:r>
+            <a:r>
+              <a:rPr lang="en-US" b="0" i="0" dirty="0">
+                <a:solidFill>
+                  <a:srgbClr val="1D1C1D"/>
+                </a:solidFill>
+                <a:effectLst/>
+                <a:latin typeface="Slack-Lato"/>
+              </a:rPr>
+              <a:t>20 February 2020-April 2022</a:t>
+            </a:r>
+            <a:endParaRPr lang="en-US" dirty="0"/>
+          </a:p>
+        </p:txBody>
+      </p:sp>
+      <p:sp>
+        <p:nvSpPr>
+          <p:cNvPr id="9" name="TextBox 8">
+            <a:extLst>
+              <a:ext uri="{FF2B5EF4-FFF2-40B4-BE49-F238E27FC236}">
+                <a16:creationId xmlns:a16="http://schemas.microsoft.com/office/drawing/2014/main" id="{DEE0B4EA-EC10-3F49-4F26-23AD595F9D59}"/>
+              </a:ext>
+            </a:extLst>
+          </p:cNvPr>
+          <p:cNvSpPr txBox="1"/>
+          <p:nvPr/>
+        </p:nvSpPr>
+        <p:spPr>
+          <a:xfrm>
+            <a:off x="957430" y="3697357"/>
+            <a:ext cx="10074537" cy="2862322"/>
+          </a:xfrm>
+          <a:prstGeom prst="rect">
+            <a:avLst/>
+          </a:prstGeom>
+          <a:noFill/>
+        </p:spPr>
+        <p:txBody>
+          <a:bodyPr wrap="square" rtlCol="0">
+            <a:spAutoFit/>
+          </a:bodyPr>
+          <a:lstStyle/>
+          <a:p>
+            <a:pPr marL="285750" indent="-285750">
+              <a:buFont typeface="Arial" panose="020B0604020202020204" pitchFamily="34" charset="0"/>
+              <a:buChar char="•"/>
+            </a:pPr>
+            <a:r>
+              <a:rPr lang="en-US" dirty="0"/>
+              <a:t>During the COVID Recession, 4 banks failed across 4 states, affecting 460 thousand people.</a:t>
+            </a:r>
+          </a:p>
+          <a:p>
+            <a:pPr marL="285750" indent="-285750">
+              <a:buFont typeface="Arial" panose="020B0604020202020204" pitchFamily="34" charset="0"/>
+              <a:buChar char="•"/>
+            </a:pPr>
+            <a:r>
+              <a:rPr lang="en-US" dirty="0"/>
+              <a:t>The average owner-occupied rate (homeownership rate) was 45.4% in the affected population.</a:t>
+            </a:r>
+          </a:p>
+          <a:p>
+            <a:pPr marL="285750" indent="-285750">
+              <a:buFont typeface="Arial" panose="020B0604020202020204" pitchFamily="34" charset="0"/>
+              <a:buChar char="•"/>
+            </a:pPr>
+            <a:r>
+              <a:rPr lang="en-US" dirty="0"/>
+              <a:t>The average bachelor or higher rate was 7.1% in the affected population. </a:t>
+            </a:r>
+          </a:p>
+          <a:p>
+            <a:pPr marL="285750" indent="-285750">
+              <a:buFont typeface="Arial" panose="020B0604020202020204" pitchFamily="34" charset="0"/>
+              <a:buChar char="•"/>
+            </a:pPr>
+            <a:r>
+              <a:rPr lang="en-US" dirty="0"/>
+              <a:t>The COVID-19 recession</a:t>
+            </a:r>
+            <a:r>
+              <a:rPr lang="en-US" b="0" i="0" dirty="0">
+                <a:solidFill>
+                  <a:srgbClr val="1D1C1D"/>
+                </a:solidFill>
+                <a:effectLst/>
+                <a:latin typeface="Slack-Lato"/>
+              </a:rPr>
+              <a:t> </a:t>
+            </a:r>
+            <a:r>
+              <a:rPr lang="en-US" dirty="0"/>
+              <a:t>was caused by an economic lockdown as a response to the COVID-19 virus. </a:t>
+            </a:r>
+          </a:p>
+          <a:p>
+            <a:pPr marL="285750" indent="-285750">
+              <a:buFont typeface="Arial" panose="020B0604020202020204" pitchFamily="34" charset="0"/>
+              <a:buChar char="•"/>
+            </a:pPr>
+            <a:r>
+              <a:rPr lang="en-US" dirty="0"/>
+              <a:t>Comparatively, the rate of homeownership was the lowest of all 3 recessions.</a:t>
+            </a:r>
+          </a:p>
+          <a:p>
+            <a:pPr marL="285750" indent="-285750">
+              <a:buFont typeface="Arial" panose="020B0604020202020204" pitchFamily="34" charset="0"/>
+              <a:buChar char="•"/>
+            </a:pPr>
+            <a:r>
+              <a:rPr lang="en-US" dirty="0"/>
+              <a:t>There was no housing crisis during the COVID recession however housing values increased by double-digit percentages nationwide primarily due to increased demand for homeownership during the work-from-home era that occurred during the COVID pandemic</a:t>
+            </a:r>
+          </a:p>
+          <a:p>
+            <a:pPr marL="285750" indent="-285750">
+              <a:buFont typeface="Arial" panose="020B0604020202020204" pitchFamily="34" charset="0"/>
+              <a:buChar char="•"/>
+            </a:pPr>
+            <a:r>
+              <a:rPr lang="en-US" dirty="0"/>
+              <a:t>The Federal Government acted over 3 trillion dollars in stimulus for US Businesses and US Consumers during the COVID Recession.</a:t>
+            </a:r>
+          </a:p>
+        </p:txBody>
+      </p:sp>
+    </p:spTree>
+    <p:extLst>
+      <p:ext uri="{BB962C8B-B14F-4D97-AF65-F5344CB8AC3E}">
+        <p14:creationId xmlns:p14="http://schemas.microsoft.com/office/powerpoint/2010/main" val="751376235"/>
+      </p:ext>
+    </p:extLst>
+  </p:cSld>
+  <p:clrMapOvr>
+    <a:masterClrMapping/>
+  </p:clrMapOvr>
+</p:sld>
+</file>
+
 <file path=ppt/theme/theme1.xml><?xml version="1.0" encoding="utf-8"?>
 <a:theme xmlns:a="http://schemas.openxmlformats.org/drawingml/2006/main" name="Office Theme">
   <a:themeElements>
